--- a/README.pptx
+++ b/README.pptx
@@ -2082,7 +2082,7 @@
           <a:p>
             <a:fld id="{E622F28B-98A4-4024-A6CD-3049CC8A14D0}" type="datetimeFigureOut">
               <a:rPr lang="zh-TW" altLang="en-US" smtClean="0"/>
-              <a:t>2024/1/25</a:t>
+              <a:t>2024/1/30</a:t>
             </a:fld>
             <a:endParaRPr lang="zh-TW" altLang="en-US"/>
           </a:p>
@@ -19661,6 +19661,50 @@
           </a:p>
         </p:txBody>
       </p:sp>
+      <p:sp>
+        <p:nvSpPr>
+          <p:cNvPr id="5" name="文字方塊 4">
+            <a:extLst>
+              <a:ext uri="{FF2B5EF4-FFF2-40B4-BE49-F238E27FC236}">
+                <a16:creationId xmlns:a16="http://schemas.microsoft.com/office/drawing/2014/main" id="{AC7A4E57-CFBB-6055-542E-7AF32DEE5C86}"/>
+              </a:ext>
+            </a:extLst>
+          </p:cNvPr>
+          <p:cNvSpPr txBox="1"/>
+          <p:nvPr/>
+        </p:nvSpPr>
+        <p:spPr>
+          <a:xfrm>
+            <a:off x="1195648" y="5687367"/>
+            <a:ext cx="6788461" cy="369332"/>
+          </a:xfrm>
+          <a:prstGeom prst="rect">
+            <a:avLst/>
+          </a:prstGeom>
+          <a:noFill/>
+        </p:spPr>
+        <p:txBody>
+          <a:bodyPr wrap="none" rtlCol="0">
+            <a:spAutoFit/>
+          </a:bodyPr>
+          <a:lstStyle/>
+          <a:p>
+            <a:r>
+              <a:rPr lang="en-US" altLang="zh-TW" dirty="0" err="1"/>
+              <a:t>Github</a:t>
+            </a:r>
+            <a:r>
+              <a:rPr lang="zh-TW" altLang="en-US" dirty="0"/>
+              <a:t>連結：</a:t>
+            </a:r>
+            <a:r>
+              <a:rPr lang="en-US" altLang="zh-TW" dirty="0"/>
+              <a:t>https://github.com/TiffanyPHC/Thesis_2023_BCIfNIR.git</a:t>
+            </a:r>
+            <a:endParaRPr lang="zh-TW" altLang="en-US" dirty="0"/>
+          </a:p>
+        </p:txBody>
+      </p:sp>
     </p:spTree>
     <p:extLst>
       <p:ext uri="{BB962C8B-B14F-4D97-AF65-F5344CB8AC3E}">
